--- a/2022182007김예진_2D1차.pptx
+++ b/2022182007김예진_2D1차.pptx
@@ -263,7 +263,7 @@
           <a:p>
             <a:fld id="{F97E265B-9B99-4E8A-8594-2CE6712B0B9B}" type="datetimeFigureOut">
               <a:rPr lang="ko-KR" altLang="en-US" smtClean="0"/>
-              <a:t>2024-10-12</a:t>
+              <a:t>2024-10-13</a:t>
             </a:fld>
             <a:endParaRPr lang="ko-KR" altLang="en-US"/>
           </a:p>
@@ -461,7 +461,7 @@
           <a:p>
             <a:fld id="{F97E265B-9B99-4E8A-8594-2CE6712B0B9B}" type="datetimeFigureOut">
               <a:rPr lang="ko-KR" altLang="en-US" smtClean="0"/>
-              <a:t>2024-10-12</a:t>
+              <a:t>2024-10-13</a:t>
             </a:fld>
             <a:endParaRPr lang="ko-KR" altLang="en-US"/>
           </a:p>
@@ -669,7 +669,7 @@
           <a:p>
             <a:fld id="{F97E265B-9B99-4E8A-8594-2CE6712B0B9B}" type="datetimeFigureOut">
               <a:rPr lang="ko-KR" altLang="en-US" smtClean="0"/>
-              <a:t>2024-10-12</a:t>
+              <a:t>2024-10-13</a:t>
             </a:fld>
             <a:endParaRPr lang="ko-KR" altLang="en-US"/>
           </a:p>
@@ -867,7 +867,7 @@
           <a:p>
             <a:fld id="{F97E265B-9B99-4E8A-8594-2CE6712B0B9B}" type="datetimeFigureOut">
               <a:rPr lang="ko-KR" altLang="en-US" smtClean="0"/>
-              <a:t>2024-10-12</a:t>
+              <a:t>2024-10-13</a:t>
             </a:fld>
             <a:endParaRPr lang="ko-KR" altLang="en-US"/>
           </a:p>
@@ -1142,7 +1142,7 @@
           <a:p>
             <a:fld id="{F97E265B-9B99-4E8A-8594-2CE6712B0B9B}" type="datetimeFigureOut">
               <a:rPr lang="ko-KR" altLang="en-US" smtClean="0"/>
-              <a:t>2024-10-12</a:t>
+              <a:t>2024-10-13</a:t>
             </a:fld>
             <a:endParaRPr lang="ko-KR" altLang="en-US"/>
           </a:p>
@@ -1407,7 +1407,7 @@
           <a:p>
             <a:fld id="{F97E265B-9B99-4E8A-8594-2CE6712B0B9B}" type="datetimeFigureOut">
               <a:rPr lang="ko-KR" altLang="en-US" smtClean="0"/>
-              <a:t>2024-10-12</a:t>
+              <a:t>2024-10-13</a:t>
             </a:fld>
             <a:endParaRPr lang="ko-KR" altLang="en-US"/>
           </a:p>
@@ -1819,7 +1819,7 @@
           <a:p>
             <a:fld id="{F97E265B-9B99-4E8A-8594-2CE6712B0B9B}" type="datetimeFigureOut">
               <a:rPr lang="ko-KR" altLang="en-US" smtClean="0"/>
-              <a:t>2024-10-12</a:t>
+              <a:t>2024-10-13</a:t>
             </a:fld>
             <a:endParaRPr lang="ko-KR" altLang="en-US"/>
           </a:p>
@@ -1960,7 +1960,7 @@
           <a:p>
             <a:fld id="{F97E265B-9B99-4E8A-8594-2CE6712B0B9B}" type="datetimeFigureOut">
               <a:rPr lang="ko-KR" altLang="en-US" smtClean="0"/>
-              <a:t>2024-10-12</a:t>
+              <a:t>2024-10-13</a:t>
             </a:fld>
             <a:endParaRPr lang="ko-KR" altLang="en-US"/>
           </a:p>
@@ -2073,7 +2073,7 @@
           <a:p>
             <a:fld id="{F97E265B-9B99-4E8A-8594-2CE6712B0B9B}" type="datetimeFigureOut">
               <a:rPr lang="ko-KR" altLang="en-US" smtClean="0"/>
-              <a:t>2024-10-12</a:t>
+              <a:t>2024-10-13</a:t>
             </a:fld>
             <a:endParaRPr lang="ko-KR" altLang="en-US"/>
           </a:p>
@@ -2384,7 +2384,7 @@
           <a:p>
             <a:fld id="{F97E265B-9B99-4E8A-8594-2CE6712B0B9B}" type="datetimeFigureOut">
               <a:rPr lang="ko-KR" altLang="en-US" smtClean="0"/>
-              <a:t>2024-10-12</a:t>
+              <a:t>2024-10-13</a:t>
             </a:fld>
             <a:endParaRPr lang="ko-KR" altLang="en-US"/>
           </a:p>
@@ -2672,7 +2672,7 @@
           <a:p>
             <a:fld id="{F97E265B-9B99-4E8A-8594-2CE6712B0B9B}" type="datetimeFigureOut">
               <a:rPr lang="ko-KR" altLang="en-US" smtClean="0"/>
-              <a:t>2024-10-12</a:t>
+              <a:t>2024-10-13</a:t>
             </a:fld>
             <a:endParaRPr lang="ko-KR" altLang="en-US"/>
           </a:p>
@@ -2913,7 +2913,7 @@
           <a:p>
             <a:fld id="{F97E265B-9B99-4E8A-8594-2CE6712B0B9B}" type="datetimeFigureOut">
               <a:rPr lang="ko-KR" altLang="en-US" smtClean="0"/>
-              <a:t>2024-10-12</a:t>
+              <a:t>2024-10-13</a:t>
             </a:fld>
             <a:endParaRPr lang="ko-KR" altLang="en-US"/>
           </a:p>
@@ -3533,8 +3533,8 @@
         </p:nvSpPr>
         <p:spPr>
           <a:xfrm>
-            <a:off x="838200" y="1563330"/>
-            <a:ext cx="8748252" cy="4227871"/>
+            <a:off x="561667" y="1995950"/>
+            <a:ext cx="11068665" cy="4227871"/>
           </a:xfrm>
         </p:spPr>
         <p:txBody>
@@ -3550,48 +3550,48 @@
               <a:buNone/>
             </a:pPr>
             <a:r>
-              <a:rPr lang="en-US" altLang="ko-KR" sz="2400" dirty="0">
+              <a:rPr lang="en-US" altLang="ko-KR" sz="2000" dirty="0">
                 <a:latin typeface="한컴 말랑말랑 Bold" panose="020F0803000000000000" pitchFamily="50" charset="-127"/>
                 <a:ea typeface="한컴 말랑말랑 Bold" panose="020F0803000000000000" pitchFamily="50" charset="-127"/>
               </a:rPr>
               <a:t>- “</a:t>
             </a:r>
             <a:r>
-              <a:rPr lang="ko-KR" altLang="en-US" sz="2400" dirty="0">
+              <a:rPr lang="ko-KR" altLang="en-US" sz="2000" dirty="0">
                 <a:latin typeface="한컴 말랑말랑 Bold" panose="020F0803000000000000" pitchFamily="50" charset="-127"/>
                 <a:ea typeface="한컴 말랑말랑 Bold" panose="020F0803000000000000" pitchFamily="50" charset="-127"/>
               </a:rPr>
               <a:t>메이플 스토리</a:t>
             </a:r>
             <a:r>
-              <a:rPr lang="en-US" altLang="ko-KR" sz="2400" dirty="0">
+              <a:rPr lang="en-US" altLang="ko-KR" sz="2000" dirty="0">
                 <a:latin typeface="한컴 말랑말랑 Bold" panose="020F0803000000000000" pitchFamily="50" charset="-127"/>
                 <a:ea typeface="한컴 말랑말랑 Bold" panose="020F0803000000000000" pitchFamily="50" charset="-127"/>
               </a:rPr>
               <a:t>“ </a:t>
             </a:r>
             <a:r>
-              <a:rPr lang="ko-KR" altLang="en-US" sz="2400" dirty="0">
+              <a:rPr lang="ko-KR" altLang="en-US" sz="2000" dirty="0">
                 <a:latin typeface="한컴 말랑말랑 Bold" panose="020F0803000000000000" pitchFamily="50" charset="-127"/>
                 <a:ea typeface="한컴 말랑말랑 Bold" panose="020F0803000000000000" pitchFamily="50" charset="-127"/>
               </a:rPr>
               <a:t>의 </a:t>
             </a:r>
             <a:r>
-              <a:rPr lang="ko-KR" altLang="en-US" sz="2400" dirty="0" err="1">
+              <a:rPr lang="ko-KR" altLang="en-US" sz="2000" dirty="0" err="1">
                 <a:latin typeface="한컴 말랑말랑 Bold" panose="020F0803000000000000" pitchFamily="50" charset="-127"/>
                 <a:ea typeface="한컴 말랑말랑 Bold" panose="020F0803000000000000" pitchFamily="50" charset="-127"/>
               </a:rPr>
               <a:t>플레시</a:t>
             </a:r>
             <a:r>
-              <a:rPr lang="ko-KR" altLang="en-US" sz="2400" dirty="0">
+              <a:rPr lang="ko-KR" altLang="en-US" sz="2000" dirty="0">
                 <a:latin typeface="한컴 말랑말랑 Bold" panose="020F0803000000000000" pitchFamily="50" charset="-127"/>
                 <a:ea typeface="한컴 말랑말랑 Bold" panose="020F0803000000000000" pitchFamily="50" charset="-127"/>
               </a:rPr>
               <a:t> 게임 버전을 모방</a:t>
             </a:r>
-            <a:endParaRPr lang="en-US" altLang="ko-KR" sz="2400" dirty="0">
+            <a:endParaRPr lang="en-US" altLang="ko-KR" sz="2000" dirty="0">
               <a:latin typeface="한컴 말랑말랑 Bold" panose="020F0803000000000000" pitchFamily="50" charset="-127"/>
               <a:ea typeface="한컴 말랑말랑 Bold" panose="020F0803000000000000" pitchFamily="50" charset="-127"/>
             </a:endParaRPr>
@@ -3605,27 +3605,27 @@
               <a:buChar char="-"/>
             </a:pPr>
             <a:r>
-              <a:rPr lang="ko-KR" altLang="en-US" sz="2400" dirty="0">
+              <a:rPr lang="ko-KR" altLang="en-US" sz="2000" dirty="0">
                 <a:latin typeface="한컴 말랑말랑 Bold" panose="020F0803000000000000" pitchFamily="50" charset="-127"/>
                 <a:ea typeface="한컴 말랑말랑 Bold" panose="020F0803000000000000" pitchFamily="50" charset="-127"/>
               </a:rPr>
               <a:t>몬스터와 싸워서 이기면 몬스터가 죽고</a:t>
             </a:r>
             <a:r>
-              <a:rPr lang="en-US" altLang="ko-KR" sz="2400" dirty="0">
+              <a:rPr lang="en-US" altLang="ko-KR" sz="2000" dirty="0">
                 <a:latin typeface="한컴 말랑말랑 Bold" panose="020F0803000000000000" pitchFamily="50" charset="-127"/>
                 <a:ea typeface="한컴 말랑말랑 Bold" panose="020F0803000000000000" pitchFamily="50" charset="-127"/>
               </a:rPr>
               <a:t>, </a:t>
             </a:r>
             <a:r>
-              <a:rPr lang="ko-KR" altLang="en-US" sz="2400" dirty="0">
+              <a:rPr lang="ko-KR" altLang="en-US" sz="2000" dirty="0">
                 <a:latin typeface="한컴 말랑말랑 Bold" panose="020F0803000000000000" pitchFamily="50" charset="-127"/>
                 <a:ea typeface="한컴 말랑말랑 Bold" panose="020F0803000000000000" pitchFamily="50" charset="-127"/>
               </a:rPr>
               <a:t>아이템을 얻을 수 있음</a:t>
             </a:r>
-            <a:endParaRPr lang="en-US" altLang="ko-KR" sz="2400" dirty="0">
+            <a:endParaRPr lang="en-US" altLang="ko-KR" sz="2000" dirty="0">
               <a:latin typeface="한컴 말랑말랑 Bold" panose="020F0803000000000000" pitchFamily="50" charset="-127"/>
               <a:ea typeface="한컴 말랑말랑 Bold" panose="020F0803000000000000" pitchFamily="50" charset="-127"/>
             </a:endParaRPr>
@@ -3639,20 +3639,20 @@
               <a:buChar char="-"/>
             </a:pPr>
             <a:r>
-              <a:rPr lang="ko-KR" altLang="en-US" sz="2400" dirty="0">
+              <a:rPr lang="ko-KR" altLang="en-US" sz="2000" dirty="0">
                 <a:latin typeface="한컴 말랑말랑 Bold" panose="020F0803000000000000" pitchFamily="50" charset="-127"/>
                 <a:ea typeface="한컴 말랑말랑 Bold" panose="020F0803000000000000" pitchFamily="50" charset="-127"/>
               </a:rPr>
               <a:t>제한 시간 안에 몬스터를 모두 물리치면 다음 단계로 </a:t>
             </a:r>
             <a:r>
-              <a:rPr lang="ko-KR" altLang="en-US" sz="2400" dirty="0" err="1">
+              <a:rPr lang="ko-KR" altLang="en-US" sz="2000" dirty="0" err="1">
                 <a:latin typeface="한컴 말랑말랑 Bold" panose="020F0803000000000000" pitchFamily="50" charset="-127"/>
                 <a:ea typeface="한컴 말랑말랑 Bold" panose="020F0803000000000000" pitchFamily="50" charset="-127"/>
               </a:rPr>
               <a:t>넘어감</a:t>
             </a:r>
-            <a:endParaRPr lang="en-US" altLang="ko-KR" sz="2400" dirty="0">
+            <a:endParaRPr lang="en-US" altLang="ko-KR" sz="2000" dirty="0">
               <a:latin typeface="한컴 말랑말랑 Bold" panose="020F0803000000000000" pitchFamily="50" charset="-127"/>
               <a:ea typeface="한컴 말랑말랑 Bold" panose="020F0803000000000000" pitchFamily="50" charset="-127"/>
             </a:endParaRPr>
@@ -3666,51 +3666,131 @@
               <a:buChar char="-"/>
             </a:pPr>
             <a:r>
-              <a:rPr lang="ko-KR" altLang="en-US" sz="2400" dirty="0">
-                <a:latin typeface="한컴 말랑말랑 Bold" panose="020F0803000000000000" pitchFamily="50" charset="-127"/>
-                <a:ea typeface="한컴 말랑말랑 Bold" panose="020F0803000000000000" pitchFamily="50" charset="-127"/>
-              </a:rPr>
-              <a:t>단계는 </a:t>
-            </a:r>
-            <a:r>
-              <a:rPr lang="en-US" altLang="ko-KR" sz="2400" dirty="0">
-                <a:latin typeface="한컴 말랑말랑 Bold" panose="020F0803000000000000" pitchFamily="50" charset="-127"/>
-                <a:ea typeface="한컴 말랑말랑 Bold" panose="020F0803000000000000" pitchFamily="50" charset="-127"/>
-              </a:rPr>
-              <a:t>3</a:t>
-            </a:r>
-            <a:r>
-              <a:rPr lang="ko-KR" altLang="en-US" sz="2400" dirty="0">
-                <a:latin typeface="한컴 말랑말랑 Bold" panose="020F0803000000000000" pitchFamily="50" charset="-127"/>
-                <a:ea typeface="한컴 말랑말랑 Bold" panose="020F0803000000000000" pitchFamily="50" charset="-127"/>
-              </a:rPr>
-              <a:t>단계까지 있고</a:t>
-            </a:r>
-            <a:r>
-              <a:rPr lang="en-US" altLang="ko-KR" sz="2400" dirty="0">
-                <a:latin typeface="한컴 말랑말랑 Bold" panose="020F0803000000000000" pitchFamily="50" charset="-127"/>
-                <a:ea typeface="한컴 말랑말랑 Bold" panose="020F0803000000000000" pitchFamily="50" charset="-127"/>
-              </a:rPr>
-              <a:t>, </a:t>
-            </a:r>
-            <a:r>
-              <a:rPr lang="ko-KR" altLang="en-US" sz="2400" dirty="0">
-                <a:latin typeface="한컴 말랑말랑 Bold" panose="020F0803000000000000" pitchFamily="50" charset="-127"/>
-                <a:ea typeface="한컴 말랑말랑 Bold" panose="020F0803000000000000" pitchFamily="50" charset="-127"/>
-              </a:rPr>
-              <a:t>단계가 올라갈 수록 몬스터의 속도가 </a:t>
-            </a:r>
-            <a:r>
-              <a:rPr lang="ko-KR" altLang="en-US" sz="2400" dirty="0" err="1">
-                <a:latin typeface="한컴 말랑말랑 Bold" panose="020F0803000000000000" pitchFamily="50" charset="-127"/>
-                <a:ea typeface="한컴 말랑말랑 Bold" panose="020F0803000000000000" pitchFamily="50" charset="-127"/>
-              </a:rPr>
-              <a:t>빨라짐</a:t>
-            </a:r>
-            <a:endParaRPr lang="en-US" altLang="ko-KR" sz="2400" dirty="0">
-              <a:latin typeface="한컴 말랑말랑 Bold" panose="020F0803000000000000" pitchFamily="50" charset="-127"/>
-              <a:ea typeface="한컴 말랑말랑 Bold" panose="020F0803000000000000" pitchFamily="50" charset="-127"/>
-            </a:endParaRPr>
+              <a:rPr lang="ko-KR" altLang="en-US" sz="2000" dirty="0">
+                <a:latin typeface="한컴 말랑말랑 Bold" panose="020F0803000000000000" pitchFamily="50" charset="-127"/>
+                <a:ea typeface="한컴 말랑말랑 Bold" panose="020F0803000000000000" pitchFamily="50" charset="-127"/>
+              </a:rPr>
+              <a:t>기능</a:t>
+            </a:r>
+            <a:r>
+              <a:rPr lang="en-US" altLang="ko-KR" sz="2000" dirty="0">
+                <a:latin typeface="한컴 말랑말랑 Bold" panose="020F0803000000000000" pitchFamily="50" charset="-127"/>
+                <a:ea typeface="한컴 말랑말랑 Bold" panose="020F0803000000000000" pitchFamily="50" charset="-127"/>
+              </a:rPr>
+              <a:t>: Z</a:t>
+            </a:r>
+            <a:r>
+              <a:rPr lang="ko-KR" altLang="en-US" sz="2000" dirty="0">
+                <a:latin typeface="한컴 말랑말랑 Bold" panose="020F0803000000000000" pitchFamily="50" charset="-127"/>
+                <a:ea typeface="한컴 말랑말랑 Bold" panose="020F0803000000000000" pitchFamily="50" charset="-127"/>
+              </a:rPr>
+              <a:t>키</a:t>
+            </a:r>
+            <a:r>
+              <a:rPr lang="en-US" altLang="ko-KR" sz="2000" dirty="0">
+                <a:latin typeface="한컴 말랑말랑 Bold" panose="020F0803000000000000" pitchFamily="50" charset="-127"/>
+                <a:ea typeface="한컴 말랑말랑 Bold" panose="020F0803000000000000" pitchFamily="50" charset="-127"/>
+              </a:rPr>
+              <a:t>(</a:t>
+            </a:r>
+            <a:r>
+              <a:rPr lang="ko-KR" altLang="en-US" sz="2000" dirty="0">
+                <a:latin typeface="한컴 말랑말랑 Bold" panose="020F0803000000000000" pitchFamily="50" charset="-127"/>
+                <a:ea typeface="한컴 말랑말랑 Bold" panose="020F0803000000000000" pitchFamily="50" charset="-127"/>
+              </a:rPr>
+              <a:t>아이템 줍기</a:t>
+            </a:r>
+            <a:r>
+              <a:rPr lang="en-US" altLang="ko-KR" sz="2000" dirty="0">
+                <a:latin typeface="한컴 말랑말랑 Bold" panose="020F0803000000000000" pitchFamily="50" charset="-127"/>
+                <a:ea typeface="한컴 말랑말랑 Bold" panose="020F0803000000000000" pitchFamily="50" charset="-127"/>
+              </a:rPr>
+              <a:t>), X</a:t>
+            </a:r>
+            <a:r>
+              <a:rPr lang="ko-KR" altLang="en-US" sz="2000" dirty="0">
+                <a:latin typeface="한컴 말랑말랑 Bold" panose="020F0803000000000000" pitchFamily="50" charset="-127"/>
+                <a:ea typeface="한컴 말랑말랑 Bold" panose="020F0803000000000000" pitchFamily="50" charset="-127"/>
+              </a:rPr>
+              <a:t>키</a:t>
+            </a:r>
+            <a:r>
+              <a:rPr lang="en-US" altLang="ko-KR" sz="2000" dirty="0">
+                <a:latin typeface="한컴 말랑말랑 Bold" panose="020F0803000000000000" pitchFamily="50" charset="-127"/>
+                <a:ea typeface="한컴 말랑말랑 Bold" panose="020F0803000000000000" pitchFamily="50" charset="-127"/>
+              </a:rPr>
+              <a:t>(</a:t>
+            </a:r>
+            <a:r>
+              <a:rPr lang="ko-KR" altLang="en-US" sz="2000" dirty="0">
+                <a:latin typeface="한컴 말랑말랑 Bold" panose="020F0803000000000000" pitchFamily="50" charset="-127"/>
+                <a:ea typeface="한컴 말랑말랑 Bold" panose="020F0803000000000000" pitchFamily="50" charset="-127"/>
+              </a:rPr>
+              <a:t>공격</a:t>
+            </a:r>
+            <a:r>
+              <a:rPr lang="en-US" altLang="ko-KR" sz="2000" dirty="0">
+                <a:latin typeface="한컴 말랑말랑 Bold" panose="020F0803000000000000" pitchFamily="50" charset="-127"/>
+                <a:ea typeface="한컴 말랑말랑 Bold" panose="020F0803000000000000" pitchFamily="50" charset="-127"/>
+              </a:rPr>
+              <a:t>), </a:t>
+            </a:r>
+            <a:r>
+              <a:rPr lang="ko-KR" altLang="en-US" sz="2000" dirty="0">
+                <a:latin typeface="한컴 말랑말랑 Bold" panose="020F0803000000000000" pitchFamily="50" charset="-127"/>
+                <a:ea typeface="한컴 말랑말랑 Bold" panose="020F0803000000000000" pitchFamily="50" charset="-127"/>
+              </a:rPr>
+              <a:t>스페이스바</a:t>
+            </a:r>
+            <a:r>
+              <a:rPr lang="en-US" altLang="ko-KR" sz="2000" dirty="0">
+                <a:latin typeface="한컴 말랑말랑 Bold" panose="020F0803000000000000" pitchFamily="50" charset="-127"/>
+                <a:ea typeface="한컴 말랑말랑 Bold" panose="020F0803000000000000" pitchFamily="50" charset="-127"/>
+              </a:rPr>
+              <a:t>(</a:t>
+            </a:r>
+            <a:r>
+              <a:rPr lang="ko-KR" altLang="en-US" sz="2000" dirty="0">
+                <a:latin typeface="한컴 말랑말랑 Bold" panose="020F0803000000000000" pitchFamily="50" charset="-127"/>
+                <a:ea typeface="한컴 말랑말랑 Bold" panose="020F0803000000000000" pitchFamily="50" charset="-127"/>
+              </a:rPr>
+              <a:t>점프</a:t>
+            </a:r>
+            <a:r>
+              <a:rPr lang="en-US" altLang="ko-KR" sz="2000" dirty="0">
+                <a:latin typeface="한컴 말랑말랑 Bold" panose="020F0803000000000000" pitchFamily="50" charset="-127"/>
+                <a:ea typeface="한컴 말랑말랑 Bold" panose="020F0803000000000000" pitchFamily="50" charset="-127"/>
+              </a:rPr>
+              <a:t>), </a:t>
+            </a:r>
+            <a:r>
+              <a:rPr lang="ko-KR" altLang="en-US" sz="2000" dirty="0">
+                <a:latin typeface="한컴 말랑말랑 Bold" panose="020F0803000000000000" pitchFamily="50" charset="-127"/>
+                <a:ea typeface="한컴 말랑말랑 Bold" panose="020F0803000000000000" pitchFamily="50" charset="-127"/>
+              </a:rPr>
+              <a:t>방향키</a:t>
+            </a:r>
+            <a:r>
+              <a:rPr lang="en-US" altLang="ko-KR" sz="2000" dirty="0">
+                <a:latin typeface="한컴 말랑말랑 Bold" panose="020F0803000000000000" pitchFamily="50" charset="-127"/>
+                <a:ea typeface="한컴 말랑말랑 Bold" panose="020F0803000000000000" pitchFamily="50" charset="-127"/>
+              </a:rPr>
+              <a:t>(</a:t>
+            </a:r>
+            <a:r>
+              <a:rPr lang="ko-KR" altLang="en-US" sz="2000" dirty="0">
+                <a:latin typeface="한컴 말랑말랑 Bold" panose="020F0803000000000000" pitchFamily="50" charset="-127"/>
+                <a:ea typeface="한컴 말랑말랑 Bold" panose="020F0803000000000000" pitchFamily="50" charset="-127"/>
+              </a:rPr>
+              <a:t>이동</a:t>
+            </a:r>
+            <a:r>
+              <a:rPr lang="en-US" altLang="ko-KR" sz="2000" dirty="0">
+                <a:latin typeface="한컴 말랑말랑 Bold" panose="020F0803000000000000" pitchFamily="50" charset="-127"/>
+                <a:ea typeface="한컴 말랑말랑 Bold" panose="020F0803000000000000" pitchFamily="50" charset="-127"/>
+              </a:rPr>
+              <a:t>)</a:t>
+            </a:r>
           </a:p>
           <a:p>
             <a:pPr>
@@ -3721,131 +3801,112 @@
               <a:buChar char="-"/>
             </a:pPr>
             <a:r>
-              <a:rPr lang="ko-KR" altLang="en-US" sz="2400" dirty="0">
-                <a:latin typeface="한컴 말랑말랑 Bold" panose="020F0803000000000000" pitchFamily="50" charset="-127"/>
-                <a:ea typeface="한컴 말랑말랑 Bold" panose="020F0803000000000000" pitchFamily="50" charset="-127"/>
-              </a:rPr>
-              <a:t>기능</a:t>
-            </a:r>
-            <a:r>
-              <a:rPr lang="en-US" altLang="ko-KR" sz="2400" dirty="0">
-                <a:latin typeface="한컴 말랑말랑 Bold" panose="020F0803000000000000" pitchFamily="50" charset="-127"/>
-                <a:ea typeface="한컴 말랑말랑 Bold" panose="020F0803000000000000" pitchFamily="50" charset="-127"/>
-              </a:rPr>
-              <a:t>: Z</a:t>
-            </a:r>
-            <a:r>
-              <a:rPr lang="ko-KR" altLang="en-US" sz="2400" dirty="0">
-                <a:latin typeface="한컴 말랑말랑 Bold" panose="020F0803000000000000" pitchFamily="50" charset="-127"/>
-                <a:ea typeface="한컴 말랑말랑 Bold" panose="020F0803000000000000" pitchFamily="50" charset="-127"/>
-              </a:rPr>
-              <a:t>키</a:t>
-            </a:r>
-            <a:r>
-              <a:rPr lang="en-US" altLang="ko-KR" sz="2400" dirty="0">
-                <a:latin typeface="한컴 말랑말랑 Bold" panose="020F0803000000000000" pitchFamily="50" charset="-127"/>
-                <a:ea typeface="한컴 말랑말랑 Bold" panose="020F0803000000000000" pitchFamily="50" charset="-127"/>
-              </a:rPr>
-              <a:t>(</a:t>
-            </a:r>
-            <a:r>
-              <a:rPr lang="ko-KR" altLang="en-US" sz="2400" dirty="0">
-                <a:latin typeface="한컴 말랑말랑 Bold" panose="020F0803000000000000" pitchFamily="50" charset="-127"/>
-                <a:ea typeface="한컴 말랑말랑 Bold" panose="020F0803000000000000" pitchFamily="50" charset="-127"/>
-              </a:rPr>
-              <a:t>아이템 줍기</a:t>
-            </a:r>
-            <a:r>
-              <a:rPr lang="en-US" altLang="ko-KR" sz="2400" dirty="0">
-                <a:latin typeface="한컴 말랑말랑 Bold" panose="020F0803000000000000" pitchFamily="50" charset="-127"/>
-                <a:ea typeface="한컴 말랑말랑 Bold" panose="020F0803000000000000" pitchFamily="50" charset="-127"/>
-              </a:rPr>
-              <a:t>), X</a:t>
-            </a:r>
-            <a:r>
-              <a:rPr lang="ko-KR" altLang="en-US" sz="2400" dirty="0">
-                <a:latin typeface="한컴 말랑말랑 Bold" panose="020F0803000000000000" pitchFamily="50" charset="-127"/>
-                <a:ea typeface="한컴 말랑말랑 Bold" panose="020F0803000000000000" pitchFamily="50" charset="-127"/>
-              </a:rPr>
-              <a:t>키</a:t>
-            </a:r>
-            <a:r>
-              <a:rPr lang="en-US" altLang="ko-KR" sz="2400" dirty="0">
-                <a:latin typeface="한컴 말랑말랑 Bold" panose="020F0803000000000000" pitchFamily="50" charset="-127"/>
-                <a:ea typeface="한컴 말랑말랑 Bold" panose="020F0803000000000000" pitchFamily="50" charset="-127"/>
-              </a:rPr>
-              <a:t>(</a:t>
-            </a:r>
-            <a:r>
-              <a:rPr lang="ko-KR" altLang="en-US" sz="2400" dirty="0">
-                <a:latin typeface="한컴 말랑말랑 Bold" panose="020F0803000000000000" pitchFamily="50" charset="-127"/>
-                <a:ea typeface="한컴 말랑말랑 Bold" panose="020F0803000000000000" pitchFamily="50" charset="-127"/>
-              </a:rPr>
-              <a:t>공격</a:t>
-            </a:r>
-            <a:r>
-              <a:rPr lang="en-US" altLang="ko-KR" sz="2400" dirty="0">
-                <a:latin typeface="한컴 말랑말랑 Bold" panose="020F0803000000000000" pitchFamily="50" charset="-127"/>
-                <a:ea typeface="한컴 말랑말랑 Bold" panose="020F0803000000000000" pitchFamily="50" charset="-127"/>
-              </a:rPr>
-              <a:t>), </a:t>
-            </a:r>
-            <a:r>
-              <a:rPr lang="ko-KR" altLang="en-US" sz="2400" dirty="0">
-                <a:latin typeface="한컴 말랑말랑 Bold" panose="020F0803000000000000" pitchFamily="50" charset="-127"/>
-                <a:ea typeface="한컴 말랑말랑 Bold" panose="020F0803000000000000" pitchFamily="50" charset="-127"/>
-              </a:rPr>
-              <a:t>스페이스바</a:t>
-            </a:r>
-            <a:r>
-              <a:rPr lang="en-US" altLang="ko-KR" sz="2400" dirty="0">
-                <a:latin typeface="한컴 말랑말랑 Bold" panose="020F0803000000000000" pitchFamily="50" charset="-127"/>
-                <a:ea typeface="한컴 말랑말랑 Bold" panose="020F0803000000000000" pitchFamily="50" charset="-127"/>
-              </a:rPr>
-              <a:t>(</a:t>
-            </a:r>
-            <a:r>
-              <a:rPr lang="ko-KR" altLang="en-US" sz="2400" dirty="0">
-                <a:latin typeface="한컴 말랑말랑 Bold" panose="020F0803000000000000" pitchFamily="50" charset="-127"/>
-                <a:ea typeface="한컴 말랑말랑 Bold" panose="020F0803000000000000" pitchFamily="50" charset="-127"/>
-              </a:rPr>
-              <a:t>점프</a:t>
-            </a:r>
-            <a:r>
-              <a:rPr lang="en-US" altLang="ko-KR" sz="2400" dirty="0">
-                <a:latin typeface="한컴 말랑말랑 Bold" panose="020F0803000000000000" pitchFamily="50" charset="-127"/>
-                <a:ea typeface="한컴 말랑말랑 Bold" panose="020F0803000000000000" pitchFamily="50" charset="-127"/>
-              </a:rPr>
-              <a:t>), </a:t>
-            </a:r>
-            <a:r>
-              <a:rPr lang="ko-KR" altLang="en-US" sz="2400" dirty="0">
-                <a:latin typeface="한컴 말랑말랑 Bold" panose="020F0803000000000000" pitchFamily="50" charset="-127"/>
-                <a:ea typeface="한컴 말랑말랑 Bold" panose="020F0803000000000000" pitchFamily="50" charset="-127"/>
-              </a:rPr>
-              <a:t>방향키</a:t>
-            </a:r>
-            <a:r>
-              <a:rPr lang="en-US" altLang="ko-KR" sz="2400" dirty="0">
-                <a:latin typeface="한컴 말랑말랑 Bold" panose="020F0803000000000000" pitchFamily="50" charset="-127"/>
-                <a:ea typeface="한컴 말랑말랑 Bold" panose="020F0803000000000000" pitchFamily="50" charset="-127"/>
-              </a:rPr>
-              <a:t>(</a:t>
-            </a:r>
-            <a:r>
-              <a:rPr lang="ko-KR" altLang="en-US" sz="2400" dirty="0">
-                <a:latin typeface="한컴 말랑말랑 Bold" panose="020F0803000000000000" pitchFamily="50" charset="-127"/>
-                <a:ea typeface="한컴 말랑말랑 Bold" panose="020F0803000000000000" pitchFamily="50" charset="-127"/>
-              </a:rPr>
-              <a:t>이동</a:t>
-            </a:r>
-            <a:r>
-              <a:rPr lang="en-US" altLang="ko-KR" sz="2400" dirty="0">
-                <a:latin typeface="한컴 말랑말랑 Bold" panose="020F0803000000000000" pitchFamily="50" charset="-127"/>
-                <a:ea typeface="한컴 말랑말랑 Bold" panose="020F0803000000000000" pitchFamily="50" charset="-127"/>
-              </a:rPr>
-              <a:t>)</a:t>
-            </a:r>
+              <a:rPr lang="ko-KR" altLang="en-US" sz="2000" dirty="0">
+                <a:latin typeface="한컴 말랑말랑 Bold" panose="020F0803000000000000" pitchFamily="50" charset="-127"/>
+                <a:ea typeface="한컴 말랑말랑 Bold" panose="020F0803000000000000" pitchFamily="50" charset="-127"/>
+              </a:rPr>
+              <a:t>단계가 올라갈 수록 몬스터의 속도가 </a:t>
+            </a:r>
+            <a:r>
+              <a:rPr lang="ko-KR" altLang="en-US" sz="2000" dirty="0" err="1">
+                <a:latin typeface="한컴 말랑말랑 Bold" panose="020F0803000000000000" pitchFamily="50" charset="-127"/>
+                <a:ea typeface="한컴 말랑말랑 Bold" panose="020F0803000000000000" pitchFamily="50" charset="-127"/>
+              </a:rPr>
+              <a:t>빨라짐</a:t>
+            </a:r>
+            <a:endParaRPr lang="en-US" altLang="ko-KR" sz="2000" dirty="0">
+              <a:latin typeface="한컴 말랑말랑 Bold" panose="020F0803000000000000" pitchFamily="50" charset="-127"/>
+              <a:ea typeface="한컴 말랑말랑 Bold" panose="020F0803000000000000" pitchFamily="50" charset="-127"/>
+            </a:endParaRPr>
+          </a:p>
+          <a:p>
+            <a:pPr>
+              <a:lnSpc>
+                <a:spcPct val="160000"/>
+              </a:lnSpc>
+              <a:buFontTx/>
+              <a:buChar char="-"/>
+            </a:pPr>
+            <a:r>
+              <a:rPr lang="ko-KR" altLang="en-US" sz="2000" dirty="0">
+                <a:latin typeface="한컴 말랑말랑 Bold" panose="020F0803000000000000" pitchFamily="50" charset="-127"/>
+                <a:ea typeface="한컴 말랑말랑 Bold" panose="020F0803000000000000" pitchFamily="50" charset="-127"/>
+              </a:rPr>
+              <a:t>추가</a:t>
+            </a:r>
+            <a:r>
+              <a:rPr lang="en-US" altLang="ko-KR" sz="2000" dirty="0">
+                <a:latin typeface="한컴 말랑말랑 Bold" panose="020F0803000000000000" pitchFamily="50" charset="-127"/>
+                <a:ea typeface="한컴 말랑말랑 Bold" panose="020F0803000000000000" pitchFamily="50" charset="-127"/>
+              </a:rPr>
+              <a:t>: </a:t>
+            </a:r>
+            <a:r>
+              <a:rPr lang="ko-KR" altLang="en-US" sz="2000" dirty="0">
+                <a:latin typeface="한컴 말랑말랑 Bold" panose="020F0803000000000000" pitchFamily="50" charset="-127"/>
+                <a:ea typeface="한컴 말랑말랑 Bold" panose="020F0803000000000000" pitchFamily="50" charset="-127"/>
+              </a:rPr>
+              <a:t>아이템을 </a:t>
+            </a:r>
+            <a:r>
+              <a:rPr lang="en-US" altLang="ko-KR" sz="2000" dirty="0">
+                <a:latin typeface="한컴 말랑말랑 Bold" panose="020F0803000000000000" pitchFamily="50" charset="-127"/>
+                <a:ea typeface="한컴 말랑말랑 Bold" panose="020F0803000000000000" pitchFamily="50" charset="-127"/>
+              </a:rPr>
+              <a:t>3</a:t>
+            </a:r>
+            <a:r>
+              <a:rPr lang="ko-KR" altLang="en-US" sz="2000" dirty="0">
+                <a:latin typeface="한컴 말랑말랑 Bold" panose="020F0803000000000000" pitchFamily="50" charset="-127"/>
+                <a:ea typeface="한컴 말랑말랑 Bold" panose="020F0803000000000000" pitchFamily="50" charset="-127"/>
+              </a:rPr>
+              <a:t>개를 주으면 잠시 가속</a:t>
+            </a:r>
+            <a:r>
+              <a:rPr lang="en-US" altLang="ko-KR" sz="2000" dirty="0">
+                <a:latin typeface="한컴 말랑말랑 Bold" panose="020F0803000000000000" pitchFamily="50" charset="-127"/>
+                <a:ea typeface="한컴 말랑말랑 Bold" panose="020F0803000000000000" pitchFamily="50" charset="-127"/>
+              </a:rPr>
+              <a:t>, 3</a:t>
+            </a:r>
+            <a:r>
+              <a:rPr lang="ko-KR" altLang="en-US" sz="2000" dirty="0">
+                <a:latin typeface="한컴 말랑말랑 Bold" panose="020F0803000000000000" pitchFamily="50" charset="-127"/>
+                <a:ea typeface="한컴 말랑말랑 Bold" panose="020F0803000000000000" pitchFamily="50" charset="-127"/>
+              </a:rPr>
+              <a:t>단계까지 있으며 모든 단계를 마치면</a:t>
+            </a:r>
+            <a:r>
+              <a:rPr lang="en-US" altLang="ko-KR" sz="2000" dirty="0">
+                <a:latin typeface="한컴 말랑말랑 Bold" panose="020F0803000000000000" pitchFamily="50" charset="-127"/>
+                <a:ea typeface="한컴 말랑말랑 Bold" panose="020F0803000000000000" pitchFamily="50" charset="-127"/>
+              </a:rPr>
+              <a:t> </a:t>
+            </a:r>
+            <a:r>
+              <a:rPr lang="ko-KR" altLang="en-US" sz="2000" dirty="0">
+                <a:latin typeface="한컴 말랑말랑 Bold" panose="020F0803000000000000" pitchFamily="50" charset="-127"/>
+                <a:ea typeface="한컴 말랑말랑 Bold" panose="020F0803000000000000" pitchFamily="50" charset="-127"/>
+              </a:rPr>
+              <a:t>축하 화면과 함께 게임 종료</a:t>
+            </a:r>
+            <a:endParaRPr lang="en-US" altLang="ko-KR" sz="2000" dirty="0">
+              <a:latin typeface="한컴 말랑말랑 Bold" panose="020F0803000000000000" pitchFamily="50" charset="-127"/>
+              <a:ea typeface="한컴 말랑말랑 Bold" panose="020F0803000000000000" pitchFamily="50" charset="-127"/>
+            </a:endParaRPr>
+          </a:p>
+          <a:p>
+            <a:pPr>
+              <a:lnSpc>
+                <a:spcPct val="160000"/>
+              </a:lnSpc>
+              <a:buFontTx/>
+              <a:buChar char="-"/>
+            </a:pPr>
+            <a:endParaRPr lang="en-US" altLang="ko-KR" sz="2400" dirty="0">
+              <a:latin typeface="한컴 말랑말랑 Bold" panose="020F0803000000000000" pitchFamily="50" charset="-127"/>
+              <a:ea typeface="한컴 말랑말랑 Bold" panose="020F0803000000000000" pitchFamily="50" charset="-127"/>
+            </a:endParaRPr>
           </a:p>
         </p:txBody>
       </p:sp>
